--- a/资料/课件/IPhone开发教程15-音频&视频&照相机开发.pptx
+++ b/资料/课件/IPhone开发教程15-音频&视频&照相机开发.pptx
@@ -5,10 +5,10 @@
     <p:sldMasterId id="2147488748" r:id="rId1"/>
   </p:sldMasterIdLst>
   <p:notesMasterIdLst>
-    <p:notesMasterId r:id="rId20"/>
+    <p:notesMasterId r:id="rId21"/>
   </p:notesMasterIdLst>
   <p:handoutMasterIdLst>
-    <p:handoutMasterId r:id="rId21"/>
+    <p:handoutMasterId r:id="rId22"/>
   </p:handoutMasterIdLst>
   <p:sldIdLst>
     <p:sldId id="1551" r:id="rId2"/>
@@ -28,12 +28,13 @@
     <p:sldId id="1565" r:id="rId16"/>
     <p:sldId id="1566" r:id="rId17"/>
     <p:sldId id="1567" r:id="rId18"/>
-    <p:sldId id="1568" r:id="rId19"/>
+    <p:sldId id="1569" r:id="rId19"/>
+    <p:sldId id="1568" r:id="rId20"/>
   </p:sldIdLst>
   <p:sldSz cx="9144000" cy="6858000" type="screen4x3"/>
   <p:notesSz cx="6797675" cy="9874250"/>
   <p:custDataLst>
-    <p:tags r:id="rId23"/>
+    <p:tags r:id="rId24"/>
   </p:custDataLst>
   <p:defaultTextStyle>
     <a:defPPr>
@@ -182,13 +183,14 @@
             <p14:sldId id="1565"/>
             <p14:sldId id="1566"/>
             <p14:sldId id="1567"/>
+            <p14:sldId id="1569"/>
             <p14:sldId id="1568"/>
           </p14:sldIdLst>
         </p14:section>
       </p14:sectionLst>
     </p:ext>
     <p:ext uri="{EFAFB233-063F-42B5-8137-9DF3F51BA10A}">
-      <p15:sldGuideLst xmlns="" xmlns:p15="http://schemas.microsoft.com/office/powerpoint/2012/main">
+      <p15:sldGuideLst xmlns:p15="http://schemas.microsoft.com/office/powerpoint/2012/main" xmlns="">
         <p15:guide id="1" orient="horz">
           <p15:clr>
             <a:srgbClr val="A4A3A4"/>
@@ -202,7 +204,7 @@
       </p15:sldGuideLst>
     </p:ext>
     <p:ext uri="{2D200454-40CA-4A62-9FC3-DE9A4176ACB9}">
-      <p15:notesGuideLst xmlns="" xmlns:p15="http://schemas.microsoft.com/office/powerpoint/2012/main">
+      <p15:notesGuideLst xmlns:p15="http://schemas.microsoft.com/office/powerpoint/2012/main" xmlns="">
         <p15:guide id="1" orient="horz" pos="3109">
           <p15:clr>
             <a:srgbClr val="A4A3A4"/>
@@ -306,7 +308,7 @@
                 <a:ea typeface="微软雅黑" pitchFamily="34" charset="-122"/>
               </a:rPr>
               <a:pPr/>
-              <a:t>15/3/15</a:t>
+              <a:t>15/3/16</a:t>
             </a:fld>
             <a:endParaRPr lang="zh-CN" altLang="en-US" dirty="0">
               <a:ea typeface="微软雅黑" pitchFamily="34" charset="-122"/>
@@ -510,7 +512,7 @@
             <a:fld id="{DF9E65B2-A0B4-4242-9432-201E84F17494}" type="datetime1">
               <a:rPr lang="en-US" smtClean="0"/>
               <a:pPr/>
-              <a:t>15/3/15</a:t>
+              <a:t>15/3/16</a:t>
             </a:fld>
             <a:endParaRPr lang="en-US" dirty="0"/>
           </a:p>
@@ -1439,7 +1441,7 @@
             <a:fld id="{055FF6D4-D4D7-426A-98F7-170A3668379E}" type="datetime1">
               <a:rPr lang="en-US" smtClean="0"/>
               <a:pPr/>
-              <a:t>15/3/15</a:t>
+              <a:t>15/3/16</a:t>
             </a:fld>
             <a:endParaRPr lang="en-US" dirty="0"/>
           </a:p>
@@ -2066,7 +2068,7 @@
             <a:fld id="{74CBEAF9-9E58-4CC8-A6FF-6DD8A58DEEA4}" type="datetimeFigureOut">
               <a:rPr lang="en-US" smtClean="0"/>
               <a:pPr eaLnBrk="1" latinLnBrk="0" hangingPunct="1"/>
-              <a:t>15/3/15</a:t>
+              <a:t>15/3/16</a:t>
             </a:fld>
             <a:endParaRPr lang="en-US"/>
           </a:p>
@@ -2584,7 +2586,7 @@
             <a:fld id="{74CBEAF9-9E58-4CC8-A6FF-6DD8A58DEEA4}" type="datetimeFigureOut">
               <a:rPr lang="en-US" smtClean="0"/>
               <a:pPr algn="l" eaLnBrk="1" latinLnBrk="0" hangingPunct="1"/>
-              <a:t>15/3/15</a:t>
+              <a:t>15/3/16</a:t>
             </a:fld>
             <a:endParaRPr lang="en-US" dirty="0">
               <a:solidFill>
@@ -3119,7 +3121,7 @@
             <a:fld id="{74CBEAF9-9E58-4CC8-A6FF-6DD8A58DEEA4}" type="datetimeFigureOut">
               <a:rPr lang="en-US" smtClean="0"/>
               <a:pPr algn="l" eaLnBrk="1" latinLnBrk="0" hangingPunct="1"/>
-              <a:t>15/3/15</a:t>
+              <a:t>15/3/16</a:t>
             </a:fld>
             <a:endParaRPr lang="en-US" dirty="0">
               <a:solidFill>
@@ -3955,7 +3957,7 @@
             <a:fld id="{74CBEAF9-9E58-4CC8-A6FF-6DD8A58DEEA4}" type="datetimeFigureOut">
               <a:rPr lang="en-US" smtClean="0"/>
               <a:pPr eaLnBrk="1" latinLnBrk="0" hangingPunct="1"/>
-              <a:t>15/3/15</a:t>
+              <a:t>15/3/16</a:t>
             </a:fld>
             <a:endParaRPr lang="en-US"/>
           </a:p>
@@ -4537,7 +4539,7 @@
             <a:fld id="{42295D47-465E-4A05-802B-049480555B6D}" type="datetime1">
               <a:rPr lang="en-US" smtClean="0"/>
               <a:pPr/>
-              <a:t>15/3/15</a:t>
+              <a:t>15/3/16</a:t>
             </a:fld>
             <a:endParaRPr lang="en-US"/>
           </a:p>
@@ -5168,7 +5170,7 @@
             <a:fld id="{74CBEAF9-9E58-4CC8-A6FF-6DD8A58DEEA4}" type="datetimeFigureOut">
               <a:rPr lang="en-US" smtClean="0"/>
               <a:pPr algn="l" eaLnBrk="1" latinLnBrk="0" hangingPunct="1"/>
-              <a:t>15/3/15</a:t>
+              <a:t>15/3/16</a:t>
             </a:fld>
             <a:endParaRPr lang="en-US" dirty="0">
               <a:solidFill>
@@ -5950,7 +5952,7 @@
             <a:fld id="{74CBEAF9-9E58-4CC8-A6FF-6DD8A58DEEA4}" type="datetimeFigureOut">
               <a:rPr lang="en-US" smtClean="0"/>
               <a:pPr eaLnBrk="1" latinLnBrk="0" hangingPunct="1"/>
-              <a:t>15/3/15</a:t>
+              <a:t>15/3/16</a:t>
             </a:fld>
             <a:endParaRPr lang="en-US"/>
           </a:p>
@@ -6411,7 +6413,7 @@
             <a:fld id="{74CBEAF9-9E58-4CC8-A6FF-6DD8A58DEEA4}" type="datetimeFigureOut">
               <a:rPr lang="en-US" smtClean="0"/>
               <a:pPr eaLnBrk="1" latinLnBrk="0" hangingPunct="1"/>
-              <a:t>15/3/15</a:t>
+              <a:t>15/3/16</a:t>
             </a:fld>
             <a:endParaRPr lang="en-US"/>
           </a:p>
@@ -6840,7 +6842,7 @@
             <a:fld id="{74CBEAF9-9E58-4CC8-A6FF-6DD8A58DEEA4}" type="datetimeFigureOut">
               <a:rPr lang="en-US" smtClean="0"/>
               <a:pPr eaLnBrk="1" latinLnBrk="0" hangingPunct="1"/>
-              <a:t>15/3/15</a:t>
+              <a:t>15/3/16</a:t>
             </a:fld>
             <a:endParaRPr lang="en-US"/>
           </a:p>
@@ -7461,7 +7463,7 @@
             <a:fld id="{74CBEAF9-9E58-4CC8-A6FF-6DD8A58DEEA4}" type="datetimeFigureOut">
               <a:rPr lang="en-US" smtClean="0"/>
               <a:pPr eaLnBrk="1" latinLnBrk="0" hangingPunct="1"/>
-              <a:t>15/3/15</a:t>
+              <a:t>15/3/16</a:t>
             </a:fld>
             <a:endParaRPr lang="en-US"/>
           </a:p>
@@ -7726,7 +7728,7 @@
             <a:fld id="{74CBEAF9-9E58-4CC8-A6FF-6DD8A58DEEA4}" type="datetimeFigureOut">
               <a:rPr lang="en-US" smtClean="0"/>
               <a:pPr algn="l" eaLnBrk="1" latinLnBrk="0" hangingPunct="1"/>
-              <a:t>15/3/15</a:t>
+              <a:t>15/3/16</a:t>
             </a:fld>
             <a:endParaRPr lang="en-US" dirty="0">
               <a:solidFill>
@@ -8586,14 +8588,14 @@
             <a:r>
               <a:rPr kumimoji="1" lang="zh-TW" altLang="en-US" sz="2400" dirty="0" smtClean="0">
                 <a:solidFill>
-                  <a:srgbClr val="FF0000"/>
+                  <a:srgbClr val="FFFFFF"/>
                 </a:solidFill>
               </a:rPr>
               <a:t>照相机</a:t>
             </a:r>
             <a:endParaRPr kumimoji="1" lang="zh-CN" altLang="en-US" sz="2400" dirty="0">
               <a:solidFill>
-                <a:srgbClr val="FF0000"/>
+                <a:srgbClr val="FFFFFF"/>
               </a:solidFill>
             </a:endParaRPr>
           </a:p>
@@ -12375,12 +12377,14 @@
         </p:nvSpPr>
         <p:spPr/>
         <p:txBody>
-          <a:bodyPr/>
+          <a:bodyPr>
+            <a:normAutofit/>
+          </a:bodyPr>
           <a:lstStyle/>
           <a:p>
             <a:r>
-              <a:rPr lang="zh-CN" altLang="en-US" b="0" dirty="0"/>
-              <a:t>总结</a:t>
+              <a:rPr kumimoji="1" lang="zh-CN" altLang="en-US" dirty="0" smtClean="0"/>
+              <a:t>照相机</a:t>
             </a:r>
             <a:endParaRPr kumimoji="1" lang="zh-CN" altLang="en-US" dirty="0"/>
           </a:p>
@@ -12418,8 +12422,8 @@
         </p:nvSpPr>
         <p:spPr>
           <a:xfrm>
-            <a:off x="179512" y="1196752"/>
-            <a:ext cx="8856984" cy="3385542"/>
+            <a:off x="107504" y="1268760"/>
+            <a:ext cx="8928992" cy="4955203"/>
           </a:xfrm>
           <a:prstGeom prst="rect">
             <a:avLst/>
@@ -12432,6 +12436,450 @@
           </a:bodyPr>
           <a:lstStyle/>
           <a:p>
+            <a:r>
+              <a:rPr lang="en-US" altLang="zh-CN" sz="1600" dirty="0"/>
+              <a:t>if ([</a:t>
+            </a:r>
+            <a:r>
+              <a:rPr lang="en-US" altLang="zh-CN" sz="1600" dirty="0" err="1"/>
+              <a:t>UIImagePickerController</a:t>
+            </a:r>
+            <a:r>
+              <a:rPr lang="en-US" altLang="zh-CN" sz="1600" dirty="0"/>
+              <a:t> isSourceTypeAvailable:UIImagePickerControllerSourceTypePhotoLibrary])</a:t>
+            </a:r>
+          </a:p>
+          <a:p>
+            <a:r>
+              <a:rPr lang="en-US" altLang="zh-CN" sz="1600" dirty="0" smtClean="0"/>
+              <a:t> </a:t>
+            </a:r>
+            <a:r>
+              <a:rPr lang="en-US" altLang="zh-CN" sz="1600" dirty="0"/>
+              <a:t>{</a:t>
+            </a:r>
+          </a:p>
+          <a:p>
+            <a:r>
+              <a:rPr lang="en-US" altLang="zh-CN" sz="1600" dirty="0"/>
+              <a:t>        </a:t>
+            </a:r>
+            <a:r>
+              <a:rPr lang="en-US" altLang="zh-CN" sz="1600" dirty="0" smtClean="0"/>
+              <a:t>        </a:t>
+            </a:r>
+            <a:endParaRPr lang="en-US" altLang="zh-CN" sz="1600" dirty="0"/>
+          </a:p>
+          <a:p>
+            <a:pPr lvl="1"/>
+            <a:r>
+              <a:rPr lang="en-US" altLang="zh-CN" sz="1600" dirty="0" err="1" smtClean="0"/>
+              <a:t>UIImagePickerController</a:t>
+            </a:r>
+            <a:r>
+              <a:rPr lang="en-US" altLang="zh-CN" sz="1600" dirty="0" smtClean="0"/>
+              <a:t> </a:t>
+            </a:r>
+            <a:r>
+              <a:rPr lang="en-US" altLang="zh-CN" sz="1600" dirty="0"/>
+              <a:t>*</a:t>
+            </a:r>
+            <a:r>
+              <a:rPr lang="en-US" altLang="zh-CN" sz="1600" dirty="0" err="1"/>
+              <a:t>imagePicker</a:t>
+            </a:r>
+            <a:r>
+              <a:rPr lang="en-US" altLang="zh-CN" sz="1600" dirty="0"/>
+              <a:t> = [[</a:t>
+            </a:r>
+            <a:r>
+              <a:rPr lang="en-US" altLang="zh-CN" sz="1600" dirty="0" err="1"/>
+              <a:t>UIImagePickerController</a:t>
+            </a:r>
+            <a:r>
+              <a:rPr lang="en-US" altLang="zh-CN" sz="1600" dirty="0"/>
+              <a:t> </a:t>
+            </a:r>
+            <a:r>
+              <a:rPr lang="en-US" altLang="zh-CN" sz="1600" dirty="0" err="1"/>
+              <a:t>alloc</a:t>
+            </a:r>
+            <a:r>
+              <a:rPr lang="en-US" altLang="zh-CN" sz="1600" dirty="0"/>
+              <a:t>] </a:t>
+            </a:r>
+            <a:r>
+              <a:rPr lang="en-US" altLang="zh-CN" sz="1600" dirty="0" err="1"/>
+              <a:t>init</a:t>
+            </a:r>
+            <a:r>
+              <a:rPr lang="en-US" altLang="zh-CN" sz="1600" dirty="0"/>
+              <a:t>];</a:t>
+            </a:r>
+          </a:p>
+          <a:p>
+            <a:r>
+              <a:rPr lang="en-US" altLang="zh-CN" sz="1600" dirty="0"/>
+              <a:t>    </a:t>
+            </a:r>
+            <a:r>
+              <a:rPr lang="en-US" altLang="zh-CN" sz="1600" dirty="0" smtClean="0"/>
+              <a:t>    </a:t>
+            </a:r>
+            <a:r>
+              <a:rPr lang="en-US" altLang="zh-CN" sz="1600" dirty="0" err="1"/>
+              <a:t>imagePicker.sourceType</a:t>
+            </a:r>
+            <a:r>
+              <a:rPr lang="en-US" altLang="zh-CN" sz="1600" dirty="0"/>
+              <a:t> = </a:t>
+            </a:r>
+            <a:r>
+              <a:rPr lang="en-US" altLang="zh-CN" sz="1600" dirty="0" err="1"/>
+              <a:t>UIImagePickerControllerSourceTypePhotoLibrary</a:t>
+            </a:r>
+            <a:r>
+              <a:rPr lang="en-US" altLang="zh-CN" sz="1600" dirty="0"/>
+              <a:t>;</a:t>
+            </a:r>
+          </a:p>
+          <a:p>
+            <a:r>
+              <a:rPr lang="en-US" altLang="zh-CN" sz="1600" dirty="0"/>
+              <a:t>   </a:t>
+            </a:r>
+            <a:r>
+              <a:rPr lang="en-US" altLang="zh-CN" sz="1600" dirty="0" smtClean="0"/>
+              <a:t>     </a:t>
+            </a:r>
+            <a:r>
+              <a:rPr lang="en-US" altLang="zh-CN" sz="1600" dirty="0" err="1"/>
+              <a:t>imagePicker.delegate</a:t>
+            </a:r>
+            <a:r>
+              <a:rPr lang="en-US" altLang="zh-CN" sz="1600" dirty="0"/>
+              <a:t> = self</a:t>
+            </a:r>
+            <a:r>
+              <a:rPr lang="en-US" altLang="zh-CN" sz="1600" dirty="0" smtClean="0"/>
+              <a:t>;</a:t>
+            </a:r>
+          </a:p>
+          <a:p>
+            <a:r>
+              <a:rPr lang="en-US" altLang="zh-CN" sz="1600" dirty="0" smtClean="0"/>
+              <a:t>        </a:t>
+            </a:r>
+            <a:r>
+              <a:rPr lang="en-US" altLang="zh-CN" sz="1600" dirty="0" err="1"/>
+              <a:t>imagePicker.allowsEditing</a:t>
+            </a:r>
+            <a:r>
+              <a:rPr lang="en-US" altLang="zh-CN" sz="1600" dirty="0"/>
+              <a:t> = </a:t>
+            </a:r>
+            <a:r>
+              <a:rPr lang="en-US" altLang="zh-CN" sz="1600" dirty="0" err="1"/>
+              <a:t>isCropped</a:t>
+            </a:r>
+            <a:r>
+              <a:rPr lang="en-US" altLang="zh-CN" sz="1600" dirty="0"/>
+              <a:t>;</a:t>
+            </a:r>
+          </a:p>
+          <a:p>
+            <a:r>
+              <a:rPr lang="en-US" altLang="zh-CN" sz="1600" dirty="0"/>
+              <a:t>           </a:t>
+            </a:r>
+            <a:r>
+              <a:rPr lang="en-US" altLang="zh-CN" sz="1600" dirty="0" smtClean="0"/>
+              <a:t>            </a:t>
+            </a:r>
+            <a:endParaRPr lang="en-US" altLang="zh-CN" sz="1600" dirty="0"/>
+          </a:p>
+          <a:p>
+            <a:r>
+              <a:rPr lang="en-US" altLang="zh-CN" sz="1600" dirty="0" smtClean="0"/>
+              <a:t>        </a:t>
+            </a:r>
+            <a:r>
+              <a:rPr lang="en-US" altLang="zh-CN" sz="1600" dirty="0"/>
+              <a:t>[self </a:t>
+            </a:r>
+            <a:r>
+              <a:rPr lang="en-US" altLang="zh-CN" sz="1600" dirty="0" err="1" smtClean="0"/>
+              <a:t>presentViewController:</a:t>
+            </a:r>
+            <a:r>
+              <a:rPr lang="en-US" altLang="zh-CN" sz="1600" dirty="0" err="1"/>
+              <a:t>imagePicker</a:t>
+            </a:r>
+            <a:r>
+              <a:rPr lang="en-US" altLang="zh-CN" sz="1600" dirty="0"/>
+              <a:t> </a:t>
+            </a:r>
+            <a:r>
+              <a:rPr lang="en-US" altLang="zh-CN" sz="1600" dirty="0" smtClean="0"/>
+              <a:t> </a:t>
+            </a:r>
+            <a:r>
+              <a:rPr lang="en-US" altLang="zh-CN" sz="1600" dirty="0" err="1"/>
+              <a:t>animated:YES</a:t>
+            </a:r>
+            <a:r>
+              <a:rPr lang="en-US" altLang="zh-CN" sz="1600" dirty="0"/>
+              <a:t> completion:^{  </a:t>
+            </a:r>
+          </a:p>
+          <a:p>
+            <a:r>
+              <a:rPr lang="en-US" altLang="zh-CN" sz="1600" dirty="0"/>
+              <a:t>        }]; </a:t>
+            </a:r>
+            <a:r>
+              <a:rPr lang="en-US" altLang="zh-CN" sz="1600" dirty="0" smtClean="0"/>
+              <a:t>}</a:t>
+            </a:r>
+          </a:p>
+          <a:p>
+            <a:r>
+              <a:rPr lang="en-US" altLang="zh-CN" sz="1600" dirty="0" smtClean="0"/>
+              <a:t>}</a:t>
+            </a:r>
+          </a:p>
+          <a:p>
+            <a:endParaRPr lang="en-US" altLang="zh-CN" sz="1600" dirty="0" smtClean="0"/>
+          </a:p>
+          <a:p>
+            <a:r>
+              <a:rPr kumimoji="1" lang="en-US" altLang="zh-CN" sz="1600" dirty="0"/>
+              <a:t>//</a:t>
+            </a:r>
+            <a:r>
+              <a:rPr kumimoji="1" lang="zh-CN" altLang="en-US" sz="1600" dirty="0"/>
+              <a:t>从相册选择图片后操作  </a:t>
+            </a:r>
+          </a:p>
+          <a:p>
+            <a:r>
+              <a:rPr lang="en-US" altLang="zh-CN" dirty="0"/>
+              <a:t>- (void)</a:t>
+            </a:r>
+            <a:r>
+              <a:rPr lang="en-US" altLang="zh-CN" dirty="0" err="1"/>
+              <a:t>imagePickerController</a:t>
+            </a:r>
+            <a:r>
+              <a:rPr lang="en-US" altLang="zh-CN" dirty="0"/>
+              <a:t>:(</a:t>
+            </a:r>
+            <a:r>
+              <a:rPr lang="en-US" altLang="zh-CN" dirty="0" err="1"/>
+              <a:t>UIImagePickerController</a:t>
+            </a:r>
+            <a:r>
+              <a:rPr lang="en-US" altLang="zh-CN" dirty="0"/>
+              <a:t> *)picker </a:t>
+            </a:r>
+            <a:r>
+              <a:rPr lang="en-US" altLang="zh-CN" dirty="0" err="1"/>
+              <a:t>didFinishPickingImage</a:t>
+            </a:r>
+            <a:r>
+              <a:rPr lang="en-US" altLang="zh-CN" dirty="0"/>
+              <a:t>:(</a:t>
+            </a:r>
+            <a:r>
+              <a:rPr lang="en-US" altLang="zh-CN" dirty="0" err="1"/>
+              <a:t>UIImage</a:t>
+            </a:r>
+            <a:r>
+              <a:rPr lang="en-US" altLang="zh-CN" dirty="0"/>
+              <a:t> *)image </a:t>
+            </a:r>
+            <a:r>
+              <a:rPr lang="en-US" altLang="zh-CN" dirty="0" err="1"/>
+              <a:t>editingInfo</a:t>
+            </a:r>
+            <a:r>
+              <a:rPr lang="en-US" altLang="zh-CN" dirty="0"/>
+              <a:t>:(</a:t>
+            </a:r>
+            <a:r>
+              <a:rPr lang="en-US" altLang="zh-CN" dirty="0" err="1"/>
+              <a:t>NSDictionary</a:t>
+            </a:r>
+            <a:r>
+              <a:rPr lang="en-US" altLang="zh-CN" dirty="0"/>
+              <a:t> *)</a:t>
+            </a:r>
+            <a:r>
+              <a:rPr lang="en-US" altLang="zh-CN" dirty="0" err="1"/>
+              <a:t>editingInfo</a:t>
+            </a:r>
+            <a:endParaRPr lang="en-US" altLang="zh-CN" dirty="0"/>
+          </a:p>
+          <a:p>
+            <a:r>
+              <a:rPr lang="en-US" altLang="zh-CN" dirty="0" smtClean="0"/>
+              <a:t>{</a:t>
+            </a:r>
+            <a:endParaRPr lang="en-US" altLang="zh-CN" dirty="0"/>
+          </a:p>
+          <a:p>
+            <a:r>
+              <a:rPr lang="en-US" altLang="zh-CN" dirty="0"/>
+              <a:t>   </a:t>
+            </a:r>
+            <a:r>
+              <a:rPr lang="zh-CN" altLang="en-US" dirty="0" smtClean="0"/>
+              <a:t>  </a:t>
+            </a:r>
+            <a:r>
+              <a:rPr lang="en-US" altLang="zh-CN" dirty="0" smtClean="0"/>
+              <a:t> </a:t>
+            </a:r>
+            <a:r>
+              <a:rPr lang="en-US" altLang="zh-CN" dirty="0"/>
+              <a:t>[self </a:t>
+            </a:r>
+            <a:r>
+              <a:rPr lang="en-US" altLang="zh-CN" dirty="0" err="1"/>
+              <a:t>dismissViewControllerAnimated:YES</a:t>
+            </a:r>
+            <a:r>
+              <a:rPr lang="en-US" altLang="zh-CN" dirty="0"/>
+              <a:t> </a:t>
+            </a:r>
+            <a:r>
+              <a:rPr lang="en-US" altLang="zh-CN" dirty="0" err="1"/>
+              <a:t>completion:nil</a:t>
+            </a:r>
+            <a:r>
+              <a:rPr lang="en-US" altLang="zh-CN" dirty="0"/>
+              <a:t>]</a:t>
+            </a:r>
+            <a:r>
+              <a:rPr lang="en-US" altLang="zh-CN" dirty="0" smtClean="0"/>
+              <a:t>;</a:t>
+            </a:r>
+          </a:p>
+          <a:p>
+            <a:r>
+              <a:rPr lang="en-US" altLang="zh-CN" sz="2000" dirty="0" smtClean="0"/>
+              <a:t>}</a:t>
+            </a:r>
+            <a:endParaRPr lang="en-US" altLang="zh-CN" sz="2000" dirty="0"/>
+          </a:p>
+        </p:txBody>
+      </p:sp>
+    </p:spTree>
+    <p:extLst>
+      <p:ext uri="{BB962C8B-B14F-4D97-AF65-F5344CB8AC3E}">
+        <p14:creationId xmlns:p14="http://schemas.microsoft.com/office/powerpoint/2010/main" val="2038463672"/>
+      </p:ext>
+    </p:extLst>
+  </p:cSld>
+  <p:clrMapOvr>
+    <a:masterClrMapping/>
+  </p:clrMapOvr>
+  <p:timing>
+    <p:tnLst>
+      <p:par>
+        <p:cTn xmlns:p14="http://schemas.microsoft.com/office/powerpoint/2010/main" id="1" dur="indefinite" restart="never" nodeType="tmRoot"/>
+      </p:par>
+    </p:tnLst>
+  </p:timing>
+</p:sld>
+</file>
+
+<file path=ppt/slides/slide19.xml><?xml version="1.0" encoding="utf-8"?>
+<p:sld xmlns:a="http://schemas.openxmlformats.org/drawingml/2006/main" xmlns:r="http://schemas.openxmlformats.org/officeDocument/2006/relationships" xmlns:p="http://schemas.openxmlformats.org/presentationml/2006/main">
+  <p:cSld>
+    <p:spTree>
+      <p:nvGrpSpPr>
+        <p:cNvPr id="1" name=""/>
+        <p:cNvGrpSpPr/>
+        <p:nvPr/>
+      </p:nvGrpSpPr>
+      <p:grpSpPr>
+        <a:xfrm>
+          <a:off x="0" y="0"/>
+          <a:ext cx="0" cy="0"/>
+          <a:chOff x="0" y="0"/>
+          <a:chExt cx="0" cy="0"/>
+        </a:xfrm>
+      </p:grpSpPr>
+      <p:sp>
+        <p:nvSpPr>
+          <p:cNvPr id="2" name="标题 1"/>
+          <p:cNvSpPr>
+            <a:spLocks noGrp="1"/>
+          </p:cNvSpPr>
+          <p:nvPr>
+            <p:ph type="title"/>
+          </p:nvPr>
+        </p:nvSpPr>
+        <p:spPr/>
+        <p:txBody>
+          <a:bodyPr/>
+          <a:lstStyle/>
+          <a:p>
+            <a:r>
+              <a:rPr lang="zh-CN" altLang="en-US" b="0" dirty="0"/>
+              <a:t>总结</a:t>
+            </a:r>
+            <a:endParaRPr kumimoji="1" lang="zh-CN" altLang="en-US" dirty="0"/>
+          </a:p>
+        </p:txBody>
+      </p:sp>
+      <p:sp>
+        <p:nvSpPr>
+          <p:cNvPr id="3" name="幻灯片编号占位符 2"/>
+          <p:cNvSpPr>
+            <a:spLocks noGrp="1"/>
+          </p:cNvSpPr>
+          <p:nvPr>
+            <p:ph type="sldNum" sz="quarter" idx="4"/>
+          </p:nvPr>
+        </p:nvSpPr>
+        <p:spPr/>
+        <p:txBody>
+          <a:bodyPr/>
+          <a:lstStyle/>
+          <a:p>
+            <a:fld id="{BF10DB53-D7D3-4DB6-A29F-40217B92EC88}" type="slidenum">
+              <a:rPr lang="en-US" smtClean="0"/>
+              <a:pPr/>
+              <a:t>18</a:t>
+            </a:fld>
+            <a:endParaRPr lang="en-US" dirty="0"/>
+          </a:p>
+        </p:txBody>
+      </p:sp>
+      <p:sp>
+        <p:nvSpPr>
+          <p:cNvPr id="5" name="文本框 4"/>
+          <p:cNvSpPr txBox="1"/>
+          <p:nvPr/>
+        </p:nvSpPr>
+        <p:spPr>
+          <a:xfrm>
+            <a:off x="179512" y="1196752"/>
+            <a:ext cx="8856984" cy="3939539"/>
+          </a:xfrm>
+          <a:prstGeom prst="rect">
+            <a:avLst/>
+          </a:prstGeom>
+          <a:noFill/>
+        </p:spPr>
+        <p:txBody>
+          <a:bodyPr wrap="square" rtlCol="0">
+            <a:spAutoFit/>
+          </a:bodyPr>
+          <a:lstStyle/>
+          <a:p>
             <a:pPr marL="342900" indent="-342900">
               <a:lnSpc>
                 <a:spcPct val="150000"/>
@@ -12443,7 +12891,7 @@
               <a:buChar char="Ø"/>
             </a:pPr>
             <a:r>
-              <a:rPr lang="en-US" altLang="zh-TW" sz="2400" dirty="0" smtClean="0"/>
+              <a:rPr lang="en-US" altLang="zh-TW" sz="2400" dirty="0"/>
               <a:t>iPhone</a:t>
             </a:r>
             <a:r>
@@ -12452,7 +12900,7 @@
             </a:r>
           </a:p>
           <a:p>
-            <a:pPr marL="342900" indent="-342900">
+            <a:pPr marL="800100" lvl="1" indent="-342900">
               <a:lnSpc>
                 <a:spcPct val="150000"/>
               </a:lnSpc>
@@ -12463,16 +12911,24 @@
               <a:buChar char="Ø"/>
             </a:pPr>
             <a:r>
-              <a:rPr lang="zh-TW" altLang="en-US" sz="2400" dirty="0" smtClean="0"/>
-              <a:t>音频</a:t>
-            </a:r>
-            <a:r>
               <a:rPr lang="zh-TW" altLang="en-US" sz="2400" dirty="0"/>
-              <a:t>回放</a:t>
-            </a:r>
-          </a:p>
-          <a:p>
-            <a:pPr marL="342900" indent="-342900">
+              <a:t>音频回放</a:t>
+            </a:r>
+            <a:r>
+              <a:rPr lang="en-US" altLang="zh-TW" sz="2400" dirty="0"/>
+              <a:t>(</a:t>
+            </a:r>
+            <a:r>
+              <a:rPr lang="zh-TW" altLang="en-US" sz="2400" dirty="0"/>
+              <a:t>重点</a:t>
+            </a:r>
+            <a:r>
+              <a:rPr lang="en-US" altLang="zh-TW" sz="2400" dirty="0"/>
+              <a:t>)</a:t>
+            </a:r>
+          </a:p>
+          <a:p>
+            <a:pPr marL="800100" lvl="1" indent="-342900">
               <a:lnSpc>
                 <a:spcPct val="150000"/>
               </a:lnSpc>
@@ -12483,10 +12939,9 @@
               <a:buChar char="Ø"/>
             </a:pPr>
             <a:r>
-              <a:rPr lang="zh-TW" altLang="en-US" sz="2400" dirty="0" smtClean="0"/>
+              <a:rPr lang="zh-CN" altLang="en-US" sz="2400" dirty="0"/>
               <a:t>音频录制</a:t>
             </a:r>
-            <a:endParaRPr lang="zh-TW" altLang="en-US" sz="2400" dirty="0"/>
           </a:p>
           <a:p>
             <a:pPr marL="342900" indent="-342900">
@@ -12500,7 +12955,7 @@
               <a:buChar char="Ø"/>
             </a:pPr>
             <a:r>
-              <a:rPr lang="en-US" altLang="zh-TW" sz="2400" dirty="0" smtClean="0"/>
+              <a:rPr lang="en-US" altLang="zh-TW" sz="2400" dirty="0"/>
               <a:t>iPhone</a:t>
             </a:r>
             <a:r>
@@ -12509,7 +12964,7 @@
             </a:r>
           </a:p>
           <a:p>
-            <a:pPr marL="342900" indent="-342900">
+            <a:pPr marL="800100" lvl="1" indent="-342900">
               <a:lnSpc>
                 <a:spcPct val="150000"/>
               </a:lnSpc>
@@ -12520,16 +12975,12 @@
               <a:buChar char="Ø"/>
             </a:pPr>
             <a:r>
-              <a:rPr lang="zh-TW" altLang="en-US" sz="2400" dirty="0" smtClean="0"/>
-              <a:t>视频</a:t>
-            </a:r>
-            <a:r>
               <a:rPr lang="zh-TW" altLang="en-US" sz="2400" dirty="0"/>
-              <a:t>回放</a:t>
-            </a:r>
-          </a:p>
-          <a:p>
-            <a:pPr marL="342900" indent="-342900">
+              <a:t>视频回放</a:t>
+            </a:r>
+          </a:p>
+          <a:p>
+            <a:pPr marL="800100" lvl="1" indent="-342900">
               <a:lnSpc>
                 <a:spcPct val="150000"/>
               </a:lnSpc>
@@ -12540,10 +12991,35 @@
               <a:buChar char="Ø"/>
             </a:pPr>
             <a:r>
-              <a:rPr lang="zh-TW" altLang="en-US" sz="2400" dirty="0" smtClean="0"/>
+              <a:rPr lang="zh-TW" altLang="en-US" sz="2400" dirty="0"/>
               <a:t>视频录制</a:t>
             </a:r>
-            <a:endParaRPr kumimoji="1" lang="zh-CN" altLang="en-US" sz="2400" dirty="0"/>
+            <a:endParaRPr lang="en-US" altLang="zh-TW" sz="2400" dirty="0"/>
+          </a:p>
+          <a:p>
+            <a:pPr marL="342900" indent="-342900">
+              <a:lnSpc>
+                <a:spcPct val="150000"/>
+              </a:lnSpc>
+              <a:buClr>
+                <a:srgbClr val="00FFFF"/>
+              </a:buClr>
+              <a:buFont typeface="Wingdings" charset="2"/>
+              <a:buChar char="Ø"/>
+            </a:pPr>
+            <a:r>
+              <a:rPr kumimoji="1" lang="zh-TW" altLang="en-US" sz="2400" dirty="0">
+                <a:solidFill>
+                  <a:srgbClr val="FFFFFF"/>
+                </a:solidFill>
+              </a:rPr>
+              <a:t>照相机</a:t>
+            </a:r>
+            <a:endParaRPr kumimoji="1" lang="zh-CN" altLang="en-US" sz="2400" dirty="0">
+              <a:solidFill>
+                <a:srgbClr val="FFFFFF"/>
+              </a:solidFill>
+            </a:endParaRPr>
           </a:p>
         </p:txBody>
       </p:sp>
